--- a/Variable-wise and Term-wise Recentering.pptx
+++ b/Variable-wise and Term-wise Recentering.pptx
@@ -248,7 +248,7 @@
           <a:p>
             <a:fld id="{62377AE6-5C75-4C76-85D9-2B73CA92FEA2}" type="datetimeFigureOut">
               <a:rPr lang="en-US" smtClean="0"/>
-              <a:t>7/28/2015</a:t>
+              <a:t>10/26/2015</a:t>
             </a:fld>
             <a:endParaRPr lang="en-US"/>
           </a:p>
@@ -418,7 +418,7 @@
           <a:p>
             <a:fld id="{62377AE6-5C75-4C76-85D9-2B73CA92FEA2}" type="datetimeFigureOut">
               <a:rPr lang="en-US" smtClean="0"/>
-              <a:t>7/28/2015</a:t>
+              <a:t>10/26/2015</a:t>
             </a:fld>
             <a:endParaRPr lang="en-US"/>
           </a:p>
@@ -598,7 +598,7 @@
           <a:p>
             <a:fld id="{62377AE6-5C75-4C76-85D9-2B73CA92FEA2}" type="datetimeFigureOut">
               <a:rPr lang="en-US" smtClean="0"/>
-              <a:t>7/28/2015</a:t>
+              <a:t>10/26/2015</a:t>
             </a:fld>
             <a:endParaRPr lang="en-US"/>
           </a:p>
@@ -768,7 +768,7 @@
           <a:p>
             <a:fld id="{62377AE6-5C75-4C76-85D9-2B73CA92FEA2}" type="datetimeFigureOut">
               <a:rPr lang="en-US" smtClean="0"/>
-              <a:t>7/28/2015</a:t>
+              <a:t>10/26/2015</a:t>
             </a:fld>
             <a:endParaRPr lang="en-US"/>
           </a:p>
@@ -1014,7 +1014,7 @@
           <a:p>
             <a:fld id="{62377AE6-5C75-4C76-85D9-2B73CA92FEA2}" type="datetimeFigureOut">
               <a:rPr lang="en-US" smtClean="0"/>
-              <a:t>7/28/2015</a:t>
+              <a:t>10/26/2015</a:t>
             </a:fld>
             <a:endParaRPr lang="en-US"/>
           </a:p>
@@ -1246,7 +1246,7 @@
           <a:p>
             <a:fld id="{62377AE6-5C75-4C76-85D9-2B73CA92FEA2}" type="datetimeFigureOut">
               <a:rPr lang="en-US" smtClean="0"/>
-              <a:t>7/28/2015</a:t>
+              <a:t>10/26/2015</a:t>
             </a:fld>
             <a:endParaRPr lang="en-US"/>
           </a:p>
@@ -1613,7 +1613,7 @@
           <a:p>
             <a:fld id="{62377AE6-5C75-4C76-85D9-2B73CA92FEA2}" type="datetimeFigureOut">
               <a:rPr lang="en-US" smtClean="0"/>
-              <a:t>7/28/2015</a:t>
+              <a:t>10/26/2015</a:t>
             </a:fld>
             <a:endParaRPr lang="en-US"/>
           </a:p>
@@ -1731,7 +1731,7 @@
           <a:p>
             <a:fld id="{62377AE6-5C75-4C76-85D9-2B73CA92FEA2}" type="datetimeFigureOut">
               <a:rPr lang="en-US" smtClean="0"/>
-              <a:t>7/28/2015</a:t>
+              <a:t>10/26/2015</a:t>
             </a:fld>
             <a:endParaRPr lang="en-US"/>
           </a:p>
@@ -1826,7 +1826,7 @@
           <a:p>
             <a:fld id="{62377AE6-5C75-4C76-85D9-2B73CA92FEA2}" type="datetimeFigureOut">
               <a:rPr lang="en-US" smtClean="0"/>
-              <a:t>7/28/2015</a:t>
+              <a:t>10/26/2015</a:t>
             </a:fld>
             <a:endParaRPr lang="en-US"/>
           </a:p>
@@ -2103,7 +2103,7 @@
           <a:p>
             <a:fld id="{62377AE6-5C75-4C76-85D9-2B73CA92FEA2}" type="datetimeFigureOut">
               <a:rPr lang="en-US" smtClean="0"/>
-              <a:t>7/28/2015</a:t>
+              <a:t>10/26/2015</a:t>
             </a:fld>
             <a:endParaRPr lang="en-US"/>
           </a:p>
@@ -2356,7 +2356,7 @@
           <a:p>
             <a:fld id="{62377AE6-5C75-4C76-85D9-2B73CA92FEA2}" type="datetimeFigureOut">
               <a:rPr lang="en-US" smtClean="0"/>
-              <a:t>7/28/2015</a:t>
+              <a:t>10/26/2015</a:t>
             </a:fld>
             <a:endParaRPr lang="en-US"/>
           </a:p>
@@ -2569,7 +2569,7 @@
           <a:p>
             <a:fld id="{62377AE6-5C75-4C76-85D9-2B73CA92FEA2}" type="datetimeFigureOut">
               <a:rPr lang="en-US" smtClean="0"/>
-              <a:t>7/28/2015</a:t>
+              <a:t>10/26/2015</a:t>
             </a:fld>
             <a:endParaRPr lang="en-US"/>
           </a:p>
@@ -3029,7 +3029,15 @@
           <a:p>
             <a:r>
               <a:rPr lang="en-US" dirty="0" smtClean="0"/>
-              <a:t>July 2015</a:t>
+              <a:t>October</a:t>
+            </a:r>
+            <a:r>
+              <a:rPr lang="en-US" dirty="0" smtClean="0"/>
+              <a:t> </a:t>
+            </a:r>
+            <a:r>
+              <a:rPr lang="en-US" dirty="0" smtClean="0"/>
+              <a:t>2015</a:t>
             </a:r>
             <a:endParaRPr lang="en-US" dirty="0"/>
           </a:p>
@@ -3092,8 +3100,8 @@
           </a:p>
         </p:txBody>
       </p:sp>
-      <mc:AlternateContent xmlns:mc="http://schemas.openxmlformats.org/markup-compatibility/2006">
-        <mc:Choice xmlns:a14="http://schemas.microsoft.com/office/drawing/2010/main" Requires="a14">
+      <mc:AlternateContent xmlns:mc="http://schemas.openxmlformats.org/markup-compatibility/2006" xmlns:a14="http://schemas.microsoft.com/office/drawing/2010/main">
+        <mc:Choice Requires="a14">
           <p:sp>
             <p:nvSpPr>
               <p:cNvPr id="3" name="Content Placeholder 2"/>
@@ -3548,7 +3556,6 @@
                   <a:rPr lang="en-US" dirty="0" smtClean="0"/>
                   <a:t> as arbitrary constants (perhaps a mean)</a:t>
                 </a:r>
-                <a:endParaRPr lang="en-US" dirty="0" smtClean="0"/>
               </a:p>
               <a:p>
                 <a:endParaRPr lang="en-US" dirty="0" smtClean="0"/>
@@ -3888,7 +3895,7 @@
             </p:txBody>
           </p:sp>
         </mc:Choice>
-        <mc:Fallback>
+        <mc:Fallback xmlns="">
           <p:sp>
             <p:nvSpPr>
               <p:cNvPr id="3" name="Content Placeholder 2"/>
@@ -3979,8 +3986,8 @@
           </a:p>
         </p:txBody>
       </p:sp>
-      <mc:AlternateContent xmlns:mc="http://schemas.openxmlformats.org/markup-compatibility/2006">
-        <mc:Choice xmlns:a14="http://schemas.microsoft.com/office/drawing/2010/main" Requires="a14">
+      <mc:AlternateContent xmlns:mc="http://schemas.openxmlformats.org/markup-compatibility/2006" xmlns:a14="http://schemas.microsoft.com/office/drawing/2010/main">
+        <mc:Choice Requires="a14">
           <p:sp>
             <p:nvSpPr>
               <p:cNvPr id="3" name="Content Placeholder 2"/>
@@ -4435,7 +4442,6 @@
                   <a:rPr lang="en-US" dirty="0" smtClean="0"/>
                   <a:t>.</a:t>
                 </a:r>
-                <a:endParaRPr lang="en-US" dirty="0" smtClean="0"/>
               </a:p>
               <a:p>
                 <a:pPr lvl="1"/>
@@ -5038,7 +5044,7 @@
             </p:txBody>
           </p:sp>
         </mc:Choice>
-        <mc:Fallback>
+        <mc:Fallback xmlns="">
           <p:sp>
             <p:nvSpPr>
               <p:cNvPr id="3" name="Content Placeholder 2"/>
@@ -5236,6 +5242,15 @@
                         </m:r>
                       </m:sup>
                     </m:sSubSup>
+                    <m:r>
+                      <m:rPr>
+                        <m:sty m:val="p"/>
+                      </m:rPr>
+                      <a:rPr lang="en-US" sz="1800">
+                        <a:latin typeface="Cambria Math" panose="02040503050406030204" pitchFamily="18" charset="0"/>
+                      </a:rPr>
+                      <m:t>Δ</m:t>
+                    </m:r>
                     <m:sSub>
                       <m:sSubPr>
                         <m:ctrlPr>
@@ -5303,6 +5318,15 @@
                         </m:r>
                       </m:sup>
                     </m:sSubSup>
+                    <m:r>
+                      <m:rPr>
+                        <m:sty m:val="p"/>
+                      </m:rPr>
+                      <a:rPr lang="en-US" sz="1800">
+                        <a:latin typeface="Cambria Math" panose="02040503050406030204" pitchFamily="18" charset="0"/>
+                      </a:rPr>
+                      <m:t>Δ</m:t>
+                    </m:r>
                     <m:sSub>
                       <m:sSubPr>
                         <m:ctrlPr>
@@ -5380,6 +5404,15 @@
                       </m:sSubPr>
                       <m:e>
                         <m:r>
+                          <m:rPr>
+                            <m:sty m:val="p"/>
+                          </m:rPr>
+                          <a:rPr lang="en-US" sz="1800">
+                            <a:latin typeface="Cambria Math" panose="02040503050406030204" pitchFamily="18" charset="0"/>
+                          </a:rPr>
+                          <m:t>Δ</m:t>
+                        </m:r>
+                        <m:r>
                           <a:rPr lang="en-US" sz="1800" i="1">
                             <a:latin typeface="Cambria Math" panose="02040503050406030204" pitchFamily="18" charset="0"/>
                           </a:rPr>
@@ -5404,6 +5437,15 @@
                         </m:ctrlPr>
                       </m:sSubPr>
                       <m:e>
+                        <m:r>
+                          <m:rPr>
+                            <m:sty m:val="p"/>
+                          </m:rPr>
+                          <a:rPr lang="en-US" sz="1800">
+                            <a:latin typeface="Cambria Math" panose="02040503050406030204" pitchFamily="18" charset="0"/>
+                          </a:rPr>
+                          <m:t>Δ</m:t>
+                        </m:r>
                         <m:r>
                           <a:rPr lang="en-US" sz="1800" i="1">
                             <a:latin typeface="Cambria Math" panose="02040503050406030204" pitchFamily="18" charset="0"/>
@@ -6079,13 +6121,7 @@
                       <a:rPr lang="en-US" sz="1800" i="1">
                         <a:latin typeface="Cambria Math" panose="02040503050406030204" pitchFamily="18" charset="0"/>
                       </a:rPr>
-                      <m:t>)</m:t>
-                    </m:r>
-                    <m:r>
-                      <a:rPr lang="en-US" sz="1800" i="1">
-                        <a:latin typeface="Cambria Math" panose="02040503050406030204" pitchFamily="18" charset="0"/>
-                      </a:rPr>
-                      <m:t>(</m:t>
+                      <m:t>)(</m:t>
                     </m:r>
                     <m:r>
                       <m:rPr>
@@ -7737,8 +7773,8 @@
           </a:p>
         </p:txBody>
       </p:sp>
-      <mc:AlternateContent xmlns:mc="http://schemas.openxmlformats.org/markup-compatibility/2006">
-        <mc:Choice xmlns:a14="http://schemas.microsoft.com/office/drawing/2010/main" Requires="a14">
+      <mc:AlternateContent xmlns:mc="http://schemas.openxmlformats.org/markup-compatibility/2006" xmlns:a14="http://schemas.microsoft.com/office/drawing/2010/main">
+        <mc:Choice Requires="a14">
           <p:sp>
             <p:nvSpPr>
               <p:cNvPr id="3" name="Content Placeholder 2"/>
@@ -9990,7 +10026,7 @@
             </p:txBody>
           </p:sp>
         </mc:Choice>
-        <mc:Fallback>
+        <mc:Fallback xmlns="">
           <p:sp>
             <p:nvSpPr>
               <p:cNvPr id="3" name="Content Placeholder 2"/>
@@ -10110,24 +10146,32 @@
                       <m:rPr>
                         <m:sty m:val="p"/>
                       </m:rPr>
-                      <a:rPr lang="en-US"/>
+                      <a:rPr lang="en-US">
+                        <a:latin typeface="Cambria Math" panose="02040503050406030204" pitchFamily="18" charset="0"/>
+                      </a:rPr>
                       <m:t>Δ</m:t>
                     </m:r>
                     <m:sSub>
                       <m:sSubPr>
                         <m:ctrlPr>
-                          <a:rPr lang="en-US"/>
-                        </m:ctrlPr>
-                      </m:sSubPr>
-                      <m:e>
-                        <m:r>
-                          <a:rPr lang="en-US"/>
+                          <a:rPr lang="en-US" i="1">
+                            <a:latin typeface="Cambria Math" panose="02040503050406030204" pitchFamily="18" charset="0"/>
+                          </a:rPr>
+                        </m:ctrlPr>
+                      </m:sSubPr>
+                      <m:e>
+                        <m:r>
+                          <a:rPr lang="en-US">
+                            <a:latin typeface="Cambria Math" panose="02040503050406030204" pitchFamily="18" charset="0"/>
+                          </a:rPr>
                           <m:t>𝑥</m:t>
                         </m:r>
                       </m:e>
                       <m:sub>
                         <m:r>
-                          <a:rPr lang="en-US"/>
+                          <a:rPr lang="en-US">
+                            <a:latin typeface="Cambria Math" panose="02040503050406030204" pitchFamily="18" charset="0"/>
+                          </a:rPr>
                           <m:t>12</m:t>
                         </m:r>
                       </m:sub>
@@ -10144,24 +10188,32 @@
                       <m:rPr>
                         <m:sty m:val="p"/>
                       </m:rPr>
-                      <a:rPr lang="en-US"/>
+                      <a:rPr lang="en-US">
+                        <a:latin typeface="Cambria Math" panose="02040503050406030204" pitchFamily="18" charset="0"/>
+                      </a:rPr>
                       <m:t>Δ</m:t>
                     </m:r>
                     <m:sSub>
                       <m:sSubPr>
                         <m:ctrlPr>
-                          <a:rPr lang="en-US"/>
-                        </m:ctrlPr>
-                      </m:sSubPr>
-                      <m:e>
-                        <m:r>
-                          <a:rPr lang="en-US"/>
+                          <a:rPr lang="en-US" i="1">
+                            <a:latin typeface="Cambria Math" panose="02040503050406030204" pitchFamily="18" charset="0"/>
+                          </a:rPr>
+                        </m:ctrlPr>
+                      </m:sSubPr>
+                      <m:e>
+                        <m:r>
+                          <a:rPr lang="en-US">
+                            <a:latin typeface="Cambria Math" panose="02040503050406030204" pitchFamily="18" charset="0"/>
+                          </a:rPr>
                           <m:t>𝑥</m:t>
                         </m:r>
                       </m:e>
                       <m:sub>
                         <m:r>
-                          <a:rPr lang="en-US"/>
+                          <a:rPr lang="en-US">
+                            <a:latin typeface="Cambria Math" panose="02040503050406030204" pitchFamily="18" charset="0"/>
+                          </a:rPr>
                           <m:t>1</m:t>
                         </m:r>
                       </m:sub>
@@ -10178,24 +10230,32 @@
                       <m:rPr>
                         <m:sty m:val="p"/>
                       </m:rPr>
-                      <a:rPr lang="en-US"/>
+                      <a:rPr lang="en-US">
+                        <a:latin typeface="Cambria Math" panose="02040503050406030204" pitchFamily="18" charset="0"/>
+                      </a:rPr>
                       <m:t>Δ</m:t>
                     </m:r>
                     <m:sSub>
                       <m:sSubPr>
                         <m:ctrlPr>
-                          <a:rPr lang="en-US"/>
-                        </m:ctrlPr>
-                      </m:sSubPr>
-                      <m:e>
-                        <m:r>
-                          <a:rPr lang="en-US"/>
+                          <a:rPr lang="en-US" i="1">
+                            <a:latin typeface="Cambria Math" panose="02040503050406030204" pitchFamily="18" charset="0"/>
+                          </a:rPr>
+                        </m:ctrlPr>
+                      </m:sSubPr>
+                      <m:e>
+                        <m:r>
+                          <a:rPr lang="en-US">
+                            <a:latin typeface="Cambria Math" panose="02040503050406030204" pitchFamily="18" charset="0"/>
+                          </a:rPr>
                           <m:t>𝑥</m:t>
                         </m:r>
                       </m:e>
                       <m:sub>
                         <m:r>
-                          <a:rPr lang="en-US"/>
+                          <a:rPr lang="en-US">
+                            <a:latin typeface="Cambria Math" panose="02040503050406030204" pitchFamily="18" charset="0"/>
+                          </a:rPr>
                           <m:t>2</m:t>
                         </m:r>
                       </m:sub>
@@ -11039,19 +11099,15 @@
               <a:p>
                 <a:r>
                   <a:rPr lang="en-US" dirty="0" smtClean="0"/>
-                  <a:t>So the </a:t>
+                  <a:t>Now</a:t>
                 </a:r>
                 <a:r>
                   <a:rPr lang="en-US" dirty="0" smtClean="0"/>
-                  <a:t>term-wise centered equation is equivalent to </a:t>
+                  <a:t> </a:t>
                 </a:r>
                 <a:r>
                   <a:rPr lang="en-US" dirty="0" smtClean="0"/>
-                  <a:t>the </a:t>
-                </a:r>
-                <a:r>
-                  <a:rPr lang="en-US" dirty="0" smtClean="0"/>
-                  <a:t>variable-wise centered equation with the terms rearranged.</a:t>
+                  <a:t>the term-wise centered equation is equivalent to the variable-wise centered equation with the terms rearranged.</a:t>
                 </a:r>
               </a:p>
               <a:p>
@@ -13010,6 +13066,22 @@
                     </m:sSub>
                   </m:oMath>
                 </a14:m>
+                <a:endParaRPr lang="en-US" dirty="0" smtClean="0"/>
+              </a:p>
+              <a:p>
+                <a:pPr marL="685800" lvl="2">
+                  <a:spcBef>
+                    <a:spcPts val="1000"/>
+                  </a:spcBef>
+                </a:pPr>
+                <a:r>
+                  <a:rPr lang="en-US" dirty="0" smtClean="0"/>
+                  <a:t>[Now simplify the constant, </a:t>
+                </a:r>
+                <a:r>
+                  <a:rPr lang="en-US" smtClean="0"/>
+                  <a:t>and voila!]</a:t>
+                </a:r>
                 <a:endParaRPr lang="en-US" dirty="0"/>
               </a:p>
               <a:p>
@@ -13042,7 +13114,7 @@
               <a:blipFill rotWithShape="0">
                 <a:blip r:embed="rId2"/>
                 <a:stretch>
-                  <a:fillRect l="-522" t="-2521" r="-754"/>
+                  <a:fillRect l="-522" t="-2521"/>
                 </a:stretch>
               </a:blipFill>
             </p:spPr>
